--- a/docs/documents/weekly_meeting/25 Jan 2017.pptx
+++ b/docs/documents/weekly_meeting/25 Jan 2017.pptx
@@ -475,6 +475,90 @@
 </p:notesMaster>
 </file>
 
+<file path=ppt/notesSlides/notesSlide1.xml><?xml version="1.0" encoding="utf-8"?>
+<p:notes xmlns:a="http://schemas.openxmlformats.org/drawingml/2006/main" xmlns:r="http://schemas.openxmlformats.org/officeDocument/2006/relationships" xmlns:p="http://schemas.openxmlformats.org/presentationml/2006/main">
+  <p:cSld>
+    <p:spTree>
+      <p:nvGrpSpPr>
+        <p:cNvPr id="1" name=""/>
+        <p:cNvGrpSpPr/>
+        <p:nvPr/>
+      </p:nvGrpSpPr>
+      <p:grpSpPr>
+        <a:xfrm>
+          <a:off x="0" y="0"/>
+          <a:ext cx="0" cy="0"/>
+          <a:chOff x="0" y="0"/>
+          <a:chExt cx="0" cy="0"/>
+        </a:xfrm>
+      </p:grpSpPr>
+      <p:sp>
+        <p:nvSpPr>
+          <p:cNvPr id="2" name="Slide Image Placeholder 1"/>
+          <p:cNvSpPr>
+            <a:spLocks noGrp="1" noRot="1" noChangeAspect="1"/>
+          </p:cNvSpPr>
+          <p:nvPr>
+            <p:ph type="sldImg"/>
+          </p:nvPr>
+        </p:nvSpPr>
+        <p:spPr/>
+      </p:sp>
+      <p:sp>
+        <p:nvSpPr>
+          <p:cNvPr id="3" name="Notes Placeholder 2"/>
+          <p:cNvSpPr>
+            <a:spLocks noGrp="1"/>
+          </p:cNvSpPr>
+          <p:nvPr>
+            <p:ph type="body" idx="1"/>
+          </p:nvPr>
+        </p:nvSpPr>
+        <p:spPr/>
+        <p:txBody>
+          <a:bodyPr/>
+          <a:lstStyle/>
+          <a:p>
+            <a:endParaRPr lang="en-US"/>
+          </a:p>
+        </p:txBody>
+      </p:sp>
+      <p:sp>
+        <p:nvSpPr>
+          <p:cNvPr id="4" name="Slide Number Placeholder 3"/>
+          <p:cNvSpPr>
+            <a:spLocks noGrp="1"/>
+          </p:cNvSpPr>
+          <p:nvPr>
+            <p:ph type="sldNum" sz="quarter" idx="10"/>
+          </p:nvPr>
+        </p:nvSpPr>
+        <p:spPr/>
+        <p:txBody>
+          <a:bodyPr/>
+          <a:lstStyle/>
+          <a:p>
+            <a:fld id="{573655BA-FDF9-F04F-A653-C6C23A6BA96B}" type="slidenum">
+              <a:rPr lang="en-US" smtClean="0"/>
+              <a:t>1</a:t>
+            </a:fld>
+            <a:endParaRPr lang="en-US"/>
+          </a:p>
+        </p:txBody>
+      </p:sp>
+    </p:spTree>
+    <p:extLst>
+      <p:ext uri="{BB962C8B-B14F-4D97-AF65-F5344CB8AC3E}">
+        <p14:creationId xmlns:p14="http://schemas.microsoft.com/office/powerpoint/2010/main" val="1930442468"/>
+      </p:ext>
+    </p:extLst>
+  </p:cSld>
+  <p:clrMapOvr>
+    <a:masterClrMapping/>
+  </p:clrMapOvr>
+</p:notes>
+</file>
+
 <file path=ppt/slideLayouts/slideLayout1.xml><?xml version="1.0" encoding="utf-8"?>
 <p:sldLayout xmlns:a="http://schemas.openxmlformats.org/drawingml/2006/main" xmlns:r="http://schemas.openxmlformats.org/officeDocument/2006/relationships" xmlns:p="http://schemas.openxmlformats.org/presentationml/2006/main" type="title" preserve="1">
   <p:cSld name="Title Slide">
@@ -604,9 +688,9 @@
           <a:bodyPr/>
           <a:lstStyle/>
           <a:p>
-            <a:fld id="{709C5A05-A171-7A40-87C1-82F3DC709F69}" type="datetimeFigureOut">
-              <a:rPr lang="en-US" smtClean="0"/>
-              <a:t>1/25/17</a:t>
+            <a:fld id="{80DC6FF6-9E56-134C-A957-7A97EF327EE0}" type="datetime1">
+              <a:rPr lang="en-SG" smtClean="0"/>
+              <a:t>25/1/17</a:t>
             </a:fld>
             <a:endParaRPr lang="en-US"/>
           </a:p>
@@ -774,9 +858,9 @@
           <a:bodyPr/>
           <a:lstStyle/>
           <a:p>
-            <a:fld id="{709C5A05-A171-7A40-87C1-82F3DC709F69}" type="datetimeFigureOut">
-              <a:rPr lang="en-US" smtClean="0"/>
-              <a:t>1/25/17</a:t>
+            <a:fld id="{0A4A1D3C-60F8-C548-8C04-80238549FD84}" type="datetime1">
+              <a:rPr lang="en-SG" smtClean="0"/>
+              <a:t>25/1/17</a:t>
             </a:fld>
             <a:endParaRPr lang="en-US"/>
           </a:p>
@@ -954,9 +1038,9 @@
           <a:bodyPr/>
           <a:lstStyle/>
           <a:p>
-            <a:fld id="{709C5A05-A171-7A40-87C1-82F3DC709F69}" type="datetimeFigureOut">
-              <a:rPr lang="en-US" smtClean="0"/>
-              <a:t>1/25/17</a:t>
+            <a:fld id="{4CC9D07E-BB95-CA48-8E46-DCB91AAA85BD}" type="datetime1">
+              <a:rPr lang="en-SG" smtClean="0"/>
+              <a:t>25/1/17</a:t>
             </a:fld>
             <a:endParaRPr lang="en-US"/>
           </a:p>
@@ -1124,9 +1208,9 @@
           <a:bodyPr/>
           <a:lstStyle/>
           <a:p>
-            <a:fld id="{709C5A05-A171-7A40-87C1-82F3DC709F69}" type="datetimeFigureOut">
-              <a:rPr lang="en-US" smtClean="0"/>
-              <a:t>1/25/17</a:t>
+            <a:fld id="{91878223-5C16-F44A-84EE-568773D74B58}" type="datetime1">
+              <a:rPr lang="en-SG" smtClean="0"/>
+              <a:t>25/1/17</a:t>
             </a:fld>
             <a:endParaRPr lang="en-US"/>
           </a:p>
@@ -1370,9 +1454,9 @@
           <a:bodyPr/>
           <a:lstStyle/>
           <a:p>
-            <a:fld id="{709C5A05-A171-7A40-87C1-82F3DC709F69}" type="datetimeFigureOut">
-              <a:rPr lang="en-US" smtClean="0"/>
-              <a:t>1/25/17</a:t>
+            <a:fld id="{76137AEF-BC96-AB4D-9F30-9B6AAFBA63DC}" type="datetime1">
+              <a:rPr lang="en-SG" smtClean="0"/>
+              <a:t>25/1/17</a:t>
             </a:fld>
             <a:endParaRPr lang="en-US"/>
           </a:p>
@@ -1602,9 +1686,9 @@
           <a:bodyPr/>
           <a:lstStyle/>
           <a:p>
-            <a:fld id="{709C5A05-A171-7A40-87C1-82F3DC709F69}" type="datetimeFigureOut">
-              <a:rPr lang="en-US" smtClean="0"/>
-              <a:t>1/25/17</a:t>
+            <a:fld id="{5CACB2AE-A29D-3045-A1E2-FE6EDA839454}" type="datetime1">
+              <a:rPr lang="en-SG" smtClean="0"/>
+              <a:t>25/1/17</a:t>
             </a:fld>
             <a:endParaRPr lang="en-US"/>
           </a:p>
@@ -1969,9 +2053,9 @@
           <a:bodyPr/>
           <a:lstStyle/>
           <a:p>
-            <a:fld id="{709C5A05-A171-7A40-87C1-82F3DC709F69}" type="datetimeFigureOut">
-              <a:rPr lang="en-US" smtClean="0"/>
-              <a:t>1/25/17</a:t>
+            <a:fld id="{A92FC73D-5380-C04E-BC32-0780BE467B3C}" type="datetime1">
+              <a:rPr lang="en-SG" smtClean="0"/>
+              <a:t>25/1/17</a:t>
             </a:fld>
             <a:endParaRPr lang="en-US"/>
           </a:p>
@@ -2087,9 +2171,9 @@
           <a:bodyPr/>
           <a:lstStyle/>
           <a:p>
-            <a:fld id="{709C5A05-A171-7A40-87C1-82F3DC709F69}" type="datetimeFigureOut">
-              <a:rPr lang="en-US" smtClean="0"/>
-              <a:t>1/25/17</a:t>
+            <a:fld id="{D537D70C-9E7F-194A-BF64-4CAA4093A520}" type="datetime1">
+              <a:rPr lang="en-SG" smtClean="0"/>
+              <a:t>25/1/17</a:t>
             </a:fld>
             <a:endParaRPr lang="en-US"/>
           </a:p>
@@ -2182,9 +2266,9 @@
           <a:bodyPr/>
           <a:lstStyle/>
           <a:p>
-            <a:fld id="{709C5A05-A171-7A40-87C1-82F3DC709F69}" type="datetimeFigureOut">
-              <a:rPr lang="en-US" smtClean="0"/>
-              <a:t>1/25/17</a:t>
+            <a:fld id="{0256AB04-A0F7-8C40-B4C1-88181D2FB977}" type="datetime1">
+              <a:rPr lang="en-SG" smtClean="0"/>
+              <a:t>25/1/17</a:t>
             </a:fld>
             <a:endParaRPr lang="en-US"/>
           </a:p>
@@ -2459,9 +2543,9 @@
           <a:bodyPr/>
           <a:lstStyle/>
           <a:p>
-            <a:fld id="{709C5A05-A171-7A40-87C1-82F3DC709F69}" type="datetimeFigureOut">
-              <a:rPr lang="en-US" smtClean="0"/>
-              <a:t>1/25/17</a:t>
+            <a:fld id="{C39F704B-34FA-EB49-8F1E-8DC98E769AB1}" type="datetime1">
+              <a:rPr lang="en-SG" smtClean="0"/>
+              <a:t>25/1/17</a:t>
             </a:fld>
             <a:endParaRPr lang="en-US"/>
           </a:p>
@@ -2712,9 +2796,9 @@
           <a:bodyPr/>
           <a:lstStyle/>
           <a:p>
-            <a:fld id="{709C5A05-A171-7A40-87C1-82F3DC709F69}" type="datetimeFigureOut">
-              <a:rPr lang="en-US" smtClean="0"/>
-              <a:t>1/25/17</a:t>
+            <a:fld id="{9B0EE18E-6FA6-EA4C-B211-FF4EB5A6176D}" type="datetime1">
+              <a:rPr lang="en-SG" smtClean="0"/>
+              <a:t>25/1/17</a:t>
             </a:fld>
             <a:endParaRPr lang="en-US"/>
           </a:p>
@@ -2925,9 +3009,9 @@
             </a:lvl1pPr>
           </a:lstStyle>
           <a:p>
-            <a:fld id="{709C5A05-A171-7A40-87C1-82F3DC709F69}" type="datetimeFigureOut">
-              <a:rPr lang="en-US" smtClean="0"/>
-              <a:t>1/25/17</a:t>
+            <a:fld id="{5898E160-1E78-7C40-B7F1-4B1C6A83E2E4}" type="datetime1">
+              <a:rPr lang="en-SG" smtClean="0"/>
+              <a:t>25/1/17</a:t>
             </a:fld>
             <a:endParaRPr lang="en-US"/>
           </a:p>
@@ -3032,6 +3116,7 @@
     <p:sldLayoutId id="2147483658" r:id="rId10"/>
     <p:sldLayoutId id="2147483659" r:id="rId11"/>
   </p:sldLayoutIdLst>
+  <p:hf hdr="0" ftr="0" dt="0"/>
   <p:txStyles>
     <p:titleStyle>
       <a:lvl1pPr algn="l" defTabSz="914400" rtl="0" eaLnBrk="1" latinLnBrk="0" hangingPunct="1">
@@ -3382,6 +3467,29 @@
           </a:p>
         </p:txBody>
       </p:sp>
+      <p:sp>
+        <p:nvSpPr>
+          <p:cNvPr id="4" name="Slide Number Placeholder 3"/>
+          <p:cNvSpPr>
+            <a:spLocks noGrp="1"/>
+          </p:cNvSpPr>
+          <p:nvPr>
+            <p:ph type="sldNum" sz="quarter" idx="12"/>
+          </p:nvPr>
+        </p:nvSpPr>
+        <p:spPr/>
+        <p:txBody>
+          <a:bodyPr/>
+          <a:lstStyle/>
+          <a:p>
+            <a:fld id="{2FAA5963-2FA6-0643-A4A4-7C2DBE3150EF}" type="slidenum">
+              <a:rPr lang="en-US" smtClean="0"/>
+              <a:t>1</a:t>
+            </a:fld>
+            <a:endParaRPr lang="en-US" dirty="0"/>
+          </a:p>
+        </p:txBody>
+      </p:sp>
     </p:spTree>
     <p:extLst>
       <p:ext uri="{BB962C8B-B14F-4D97-AF65-F5344CB8AC3E}">
@@ -3449,6 +3557,29 @@
           </a:prstGeom>
         </p:spPr>
       </p:pic>
+      <p:sp>
+        <p:nvSpPr>
+          <p:cNvPr id="2" name="Slide Number Placeholder 1"/>
+          <p:cNvSpPr>
+            <a:spLocks noGrp="1"/>
+          </p:cNvSpPr>
+          <p:nvPr>
+            <p:ph type="sldNum" sz="quarter" idx="12"/>
+          </p:nvPr>
+        </p:nvSpPr>
+        <p:spPr/>
+        <p:txBody>
+          <a:bodyPr/>
+          <a:lstStyle/>
+          <a:p>
+            <a:fld id="{2FAA5963-2FA6-0643-A4A4-7C2DBE3150EF}" type="slidenum">
+              <a:rPr lang="en-US" smtClean="0"/>
+              <a:t>10</a:t>
+            </a:fld>
+            <a:endParaRPr lang="en-US"/>
+          </a:p>
+        </p:txBody>
+      </p:sp>
     </p:spTree>
     <p:extLst>
       <p:ext uri="{BB962C8B-B14F-4D97-AF65-F5344CB8AC3E}">
@@ -3532,10 +3663,37 @@
           </a:p>
           <a:p>
             <a:r>
-              <a:rPr lang="en-US" b="1" dirty="0" smtClean="0"/>
-              <a:t>Features benchmarking</a:t>
-            </a:r>
-            <a:endParaRPr lang="en-US" b="1" dirty="0"/>
+              <a:rPr lang="en-US" b="1" smtClean="0"/>
+              <a:t>Features </a:t>
+            </a:r>
+            <a:r>
+              <a:rPr lang="en-US" b="1" smtClean="0"/>
+              <a:t>benchmarking</a:t>
+            </a:r>
+            <a:endParaRPr lang="en-US" b="1" dirty="0" smtClean="0"/>
+          </a:p>
+        </p:txBody>
+      </p:sp>
+      <p:sp>
+        <p:nvSpPr>
+          <p:cNvPr id="4" name="Slide Number Placeholder 3"/>
+          <p:cNvSpPr>
+            <a:spLocks noGrp="1"/>
+          </p:cNvSpPr>
+          <p:nvPr>
+            <p:ph type="sldNum" sz="quarter" idx="12"/>
+          </p:nvPr>
+        </p:nvSpPr>
+        <p:spPr/>
+        <p:txBody>
+          <a:bodyPr/>
+          <a:lstStyle/>
+          <a:p>
+            <a:fld id="{2FAA5963-2FA6-0643-A4A4-7C2DBE3150EF}" type="slidenum">
+              <a:rPr lang="en-US" smtClean="0"/>
+              <a:t>11</a:t>
+            </a:fld>
+            <a:endParaRPr lang="en-US"/>
           </a:p>
         </p:txBody>
       </p:sp>
@@ -3622,6 +3780,29 @@
           </a:p>
         </p:txBody>
       </p:sp>
+      <p:sp>
+        <p:nvSpPr>
+          <p:cNvPr id="2" name="Slide Number Placeholder 1"/>
+          <p:cNvSpPr>
+            <a:spLocks noGrp="1"/>
+          </p:cNvSpPr>
+          <p:nvPr>
+            <p:ph type="sldNum" sz="quarter" idx="12"/>
+          </p:nvPr>
+        </p:nvSpPr>
+        <p:spPr/>
+        <p:txBody>
+          <a:bodyPr/>
+          <a:lstStyle/>
+          <a:p>
+            <a:fld id="{2FAA5963-2FA6-0643-A4A4-7C2DBE3150EF}" type="slidenum">
+              <a:rPr lang="en-US" smtClean="0"/>
+              <a:t>2</a:t>
+            </a:fld>
+            <a:endParaRPr lang="en-US"/>
+          </a:p>
+        </p:txBody>
+      </p:sp>
     </p:spTree>
     <p:extLst>
       <p:ext uri="{BB962C8B-B14F-4D97-AF65-F5344CB8AC3E}">
@@ -3707,6 +3888,29 @@
           </a:p>
           <a:p>
             <a:endParaRPr lang="en-US" dirty="0"/>
+          </a:p>
+        </p:txBody>
+      </p:sp>
+      <p:sp>
+        <p:nvSpPr>
+          <p:cNvPr id="2" name="Slide Number Placeholder 1"/>
+          <p:cNvSpPr>
+            <a:spLocks noGrp="1"/>
+          </p:cNvSpPr>
+          <p:nvPr>
+            <p:ph type="sldNum" sz="quarter" idx="12"/>
+          </p:nvPr>
+        </p:nvSpPr>
+        <p:spPr/>
+        <p:txBody>
+          <a:bodyPr/>
+          <a:lstStyle/>
+          <a:p>
+            <a:fld id="{2FAA5963-2FA6-0643-A4A4-7C2DBE3150EF}" type="slidenum">
+              <a:rPr lang="en-US" smtClean="0"/>
+              <a:t>3</a:t>
+            </a:fld>
+            <a:endParaRPr lang="en-US"/>
           </a:p>
         </p:txBody>
       </p:sp>
@@ -3777,6 +3981,29 @@
           </a:prstGeom>
         </p:spPr>
       </p:pic>
+      <p:sp>
+        <p:nvSpPr>
+          <p:cNvPr id="2" name="Slide Number Placeholder 1"/>
+          <p:cNvSpPr>
+            <a:spLocks noGrp="1"/>
+          </p:cNvSpPr>
+          <p:nvPr>
+            <p:ph type="sldNum" sz="quarter" idx="12"/>
+          </p:nvPr>
+        </p:nvSpPr>
+        <p:spPr/>
+        <p:txBody>
+          <a:bodyPr/>
+          <a:lstStyle/>
+          <a:p>
+            <a:fld id="{2FAA5963-2FA6-0643-A4A4-7C2DBE3150EF}" type="slidenum">
+              <a:rPr lang="en-US" smtClean="0"/>
+              <a:t>4</a:t>
+            </a:fld>
+            <a:endParaRPr lang="en-US"/>
+          </a:p>
+        </p:txBody>
+      </p:sp>
     </p:spTree>
     <p:extLst>
       <p:ext uri="{BB962C8B-B14F-4D97-AF65-F5344CB8AC3E}">
@@ -3931,14 +4158,11 @@
               <a:rPr lang="en-US" b="1" dirty="0" smtClean="0">
                 <a:sym typeface="Wingdings"/>
               </a:rPr>
-              <a:t>LOPO </a:t>
-            </a:r>
-            <a:r>
-              <a:rPr lang="en-US" b="1" dirty="0" smtClean="0">
-                <a:sym typeface="Wingdings"/>
-              </a:rPr>
-              <a:t>CV</a:t>
-            </a:r>
+              <a:t>LOPO</a:t>
+            </a:r>
+            <a:endParaRPr lang="en-US" b="1" dirty="0" smtClean="0">
+              <a:sym typeface="Wingdings"/>
+            </a:endParaRPr>
           </a:p>
           <a:p>
             <a:pPr lvl="1">
@@ -3960,14 +4184,11 @@
               </a:lnSpc>
             </a:pPr>
             <a:r>
-              <a:rPr lang="en-US" smtClean="0">
+              <a:rPr lang="en-US" dirty="0" smtClean="0">
                 <a:sym typeface="Wingdings"/>
               </a:rPr>
               <a:t>Left wrist, left pocket</a:t>
             </a:r>
-            <a:endParaRPr lang="en-US" dirty="0" smtClean="0">
-              <a:sym typeface="Wingdings"/>
-            </a:endParaRPr>
           </a:p>
           <a:p>
             <a:pPr>
@@ -3982,6 +4203,29 @@
               <a:t>Samsung S4, Samsung Galaxy Gear Smartwatch</a:t>
             </a:r>
             <a:endParaRPr lang="en-US" b="1" dirty="0"/>
+          </a:p>
+        </p:txBody>
+      </p:sp>
+      <p:sp>
+        <p:nvSpPr>
+          <p:cNvPr id="4" name="Slide Number Placeholder 3"/>
+          <p:cNvSpPr>
+            <a:spLocks noGrp="1"/>
+          </p:cNvSpPr>
+          <p:nvPr>
+            <p:ph type="sldNum" sz="quarter" idx="12"/>
+          </p:nvPr>
+        </p:nvSpPr>
+        <p:spPr/>
+        <p:txBody>
+          <a:bodyPr/>
+          <a:lstStyle/>
+          <a:p>
+            <a:fld id="{2FAA5963-2FA6-0643-A4A4-7C2DBE3150EF}" type="slidenum">
+              <a:rPr lang="en-US" smtClean="0"/>
+              <a:t>5</a:t>
+            </a:fld>
+            <a:endParaRPr lang="en-US"/>
           </a:p>
         </p:txBody>
       </p:sp>
@@ -4045,6 +4289,29 @@
           </a:prstGeom>
         </p:spPr>
       </p:pic>
+      <p:sp>
+        <p:nvSpPr>
+          <p:cNvPr id="2" name="Slide Number Placeholder 1"/>
+          <p:cNvSpPr>
+            <a:spLocks noGrp="1"/>
+          </p:cNvSpPr>
+          <p:nvPr>
+            <p:ph type="sldNum" sz="quarter" idx="12"/>
+          </p:nvPr>
+        </p:nvSpPr>
+        <p:spPr/>
+        <p:txBody>
+          <a:bodyPr/>
+          <a:lstStyle/>
+          <a:p>
+            <a:fld id="{2FAA5963-2FA6-0643-A4A4-7C2DBE3150EF}" type="slidenum">
+              <a:rPr lang="en-US" smtClean="0"/>
+              <a:t>6</a:t>
+            </a:fld>
+            <a:endParaRPr lang="en-US"/>
+          </a:p>
+        </p:txBody>
+      </p:sp>
     </p:spTree>
     <p:extLst>
       <p:ext uri="{BB962C8B-B14F-4D97-AF65-F5344CB8AC3E}">
@@ -4105,6 +4372,29 @@
           </a:prstGeom>
         </p:spPr>
       </p:pic>
+      <p:sp>
+        <p:nvSpPr>
+          <p:cNvPr id="2" name="Slide Number Placeholder 1"/>
+          <p:cNvSpPr>
+            <a:spLocks noGrp="1"/>
+          </p:cNvSpPr>
+          <p:nvPr>
+            <p:ph type="sldNum" sz="quarter" idx="12"/>
+          </p:nvPr>
+        </p:nvSpPr>
+        <p:spPr/>
+        <p:txBody>
+          <a:bodyPr/>
+          <a:lstStyle/>
+          <a:p>
+            <a:fld id="{2FAA5963-2FA6-0643-A4A4-7C2DBE3150EF}" type="slidenum">
+              <a:rPr lang="en-US" smtClean="0"/>
+              <a:t>7</a:t>
+            </a:fld>
+            <a:endParaRPr lang="en-US"/>
+          </a:p>
+        </p:txBody>
+      </p:sp>
     </p:spTree>
     <p:extLst>
       <p:ext uri="{BB962C8B-B14F-4D97-AF65-F5344CB8AC3E}">
@@ -4165,6 +4455,29 @@
           </a:prstGeom>
         </p:spPr>
       </p:pic>
+      <p:sp>
+        <p:nvSpPr>
+          <p:cNvPr id="2" name="Slide Number Placeholder 1"/>
+          <p:cNvSpPr>
+            <a:spLocks noGrp="1"/>
+          </p:cNvSpPr>
+          <p:nvPr>
+            <p:ph type="sldNum" sz="quarter" idx="12"/>
+          </p:nvPr>
+        </p:nvSpPr>
+        <p:spPr/>
+        <p:txBody>
+          <a:bodyPr/>
+          <a:lstStyle/>
+          <a:p>
+            <a:fld id="{2FAA5963-2FA6-0643-A4A4-7C2DBE3150EF}" type="slidenum">
+              <a:rPr lang="en-US" smtClean="0"/>
+              <a:t>8</a:t>
+            </a:fld>
+            <a:endParaRPr lang="en-US"/>
+          </a:p>
+        </p:txBody>
+      </p:sp>
     </p:spTree>
     <p:extLst>
       <p:ext uri="{BB962C8B-B14F-4D97-AF65-F5344CB8AC3E}">
@@ -4225,6 +4538,29 @@
           </a:prstGeom>
         </p:spPr>
       </p:pic>
+      <p:sp>
+        <p:nvSpPr>
+          <p:cNvPr id="2" name="Slide Number Placeholder 1"/>
+          <p:cNvSpPr>
+            <a:spLocks noGrp="1"/>
+          </p:cNvSpPr>
+          <p:nvPr>
+            <p:ph type="sldNum" sz="quarter" idx="12"/>
+          </p:nvPr>
+        </p:nvSpPr>
+        <p:spPr/>
+        <p:txBody>
+          <a:bodyPr/>
+          <a:lstStyle/>
+          <a:p>
+            <a:fld id="{2FAA5963-2FA6-0643-A4A4-7C2DBE3150EF}" type="slidenum">
+              <a:rPr lang="en-US" smtClean="0"/>
+              <a:t>9</a:t>
+            </a:fld>
+            <a:endParaRPr lang="en-US"/>
+          </a:p>
+        </p:txBody>
+      </p:sp>
     </p:spTree>
     <p:extLst>
       <p:ext uri="{BB962C8B-B14F-4D97-AF65-F5344CB8AC3E}">
